--- a/lesson18.pptx
+++ b/lesson18.pptx
@@ -5,7 +5,7 @@
     <p:sldMasterId id="2147483648" r:id="rId1"/>
   </p:sldMasterIdLst>
   <p:notesMasterIdLst>
-    <p:notesMasterId r:id="rId34"/>
+    <p:notesMasterId r:id="rId32"/>
   </p:notesMasterIdLst>
   <p:sldIdLst>
     <p:sldId id="452" r:id="rId2"/>
@@ -27,19 +27,17 @@
     <p:sldId id="350" r:id="rId18"/>
     <p:sldId id="462" r:id="rId19"/>
     <p:sldId id="420" r:id="rId20"/>
-    <p:sldId id="468" r:id="rId21"/>
-    <p:sldId id="469" r:id="rId22"/>
-    <p:sldId id="453" r:id="rId23"/>
-    <p:sldId id="454" r:id="rId24"/>
-    <p:sldId id="400" r:id="rId25"/>
-    <p:sldId id="410" r:id="rId26"/>
-    <p:sldId id="444" r:id="rId27"/>
-    <p:sldId id="465" r:id="rId28"/>
-    <p:sldId id="761" r:id="rId29"/>
-    <p:sldId id="464" r:id="rId30"/>
-    <p:sldId id="445" r:id="rId31"/>
-    <p:sldId id="383" r:id="rId32"/>
-    <p:sldId id="760" r:id="rId33"/>
+    <p:sldId id="453" r:id="rId21"/>
+    <p:sldId id="454" r:id="rId22"/>
+    <p:sldId id="400" r:id="rId23"/>
+    <p:sldId id="410" r:id="rId24"/>
+    <p:sldId id="444" r:id="rId25"/>
+    <p:sldId id="465" r:id="rId26"/>
+    <p:sldId id="761" r:id="rId27"/>
+    <p:sldId id="464" r:id="rId28"/>
+    <p:sldId id="445" r:id="rId29"/>
+    <p:sldId id="383" r:id="rId30"/>
+    <p:sldId id="760" r:id="rId31"/>
   </p:sldIdLst>
   <p:sldSz cx="12192000" cy="6858000"/>
   <p:notesSz cx="6858000" cy="9144000"/>
@@ -155,14 +153,6 @@
     </p:ext>
   </p:extLst>
 </p:presentation>
-</file>
-
-<file path=ppt/revisionInfo.xml><?xml version="1.0" encoding="utf-8"?>
-<p1510:revInfo xmlns:a="http://schemas.openxmlformats.org/drawingml/2006/main" xmlns:r="http://schemas.openxmlformats.org/officeDocument/2006/relationships" xmlns:p1510="http://schemas.microsoft.com/office/powerpoint/2015/10/main">
-  <p1510:revLst>
-    <p1510:client id="{9C088DB7-EAC8-4AC9-B4D0-8F45CBBDF87B}" v="5" dt="2023-11-14T07:37:40.774"/>
-  </p1510:revLst>
-</p1510:revInfo>
 </file>
 
 <file path=ppt/changesInfos/changesInfo1.xml><?xml version="1.0" encoding="utf-8"?>
@@ -308,6 +298,59 @@
       </pc:sldChg>
     </pc:docChg>
   </pc:docChgLst>
+  <pc:docChgLst>
+    <pc:chgData name="Anatoliy Kigel" userId="7432c6c4687b0a9c" providerId="LiveId" clId="{C26CD1DD-F632-4811-A6C8-12EB1550B1AC}"/>
+    <pc:docChg chg="delSld modSld">
+      <pc:chgData name="Anatoliy Kigel" userId="7432c6c4687b0a9c" providerId="LiveId" clId="{C26CD1DD-F632-4811-A6C8-12EB1550B1AC}" dt="2024-08-30T11:13:09.435" v="4" actId="20577"/>
+      <pc:docMkLst>
+        <pc:docMk/>
+      </pc:docMkLst>
+      <pc:sldChg chg="modSp mod">
+        <pc:chgData name="Anatoliy Kigel" userId="7432c6c4687b0a9c" providerId="LiveId" clId="{C26CD1DD-F632-4811-A6C8-12EB1550B1AC}" dt="2024-08-30T11:13:09.435" v="4" actId="20577"/>
+        <pc:sldMkLst>
+          <pc:docMk/>
+          <pc:sldMk cId="1745563422" sldId="400"/>
+        </pc:sldMkLst>
+        <pc:spChg chg="mod">
+          <ac:chgData name="Anatoliy Kigel" userId="7432c6c4687b0a9c" providerId="LiveId" clId="{C26CD1DD-F632-4811-A6C8-12EB1550B1AC}" dt="2024-08-30T11:13:09.435" v="4" actId="20577"/>
+          <ac:spMkLst>
+            <pc:docMk/>
+            <pc:sldMk cId="1745563422" sldId="400"/>
+            <ac:spMk id="5" creationId="{00000000-0000-0000-0000-000000000000}"/>
+          </ac:spMkLst>
+        </pc:spChg>
+      </pc:sldChg>
+      <pc:sldChg chg="modSp mod">
+        <pc:chgData name="Anatoliy Kigel" userId="7432c6c4687b0a9c" providerId="LiveId" clId="{C26CD1DD-F632-4811-A6C8-12EB1550B1AC}" dt="2024-08-30T11:13:04.647" v="1" actId="20577"/>
+        <pc:sldMkLst>
+          <pc:docMk/>
+          <pc:sldMk cId="595765274" sldId="453"/>
+        </pc:sldMkLst>
+        <pc:spChg chg="mod">
+          <ac:chgData name="Anatoliy Kigel" userId="7432c6c4687b0a9c" providerId="LiveId" clId="{C26CD1DD-F632-4811-A6C8-12EB1550B1AC}" dt="2024-08-30T11:13:04.647" v="1" actId="20577"/>
+          <ac:spMkLst>
+            <pc:docMk/>
+            <pc:sldMk cId="595765274" sldId="453"/>
+            <ac:spMk id="5" creationId="{00000000-0000-0000-0000-000000000000}"/>
+          </ac:spMkLst>
+        </pc:spChg>
+      </pc:sldChg>
+      <pc:sldChg chg="del">
+        <pc:chgData name="Anatoliy Kigel" userId="7432c6c4687b0a9c" providerId="LiveId" clId="{C26CD1DD-F632-4811-A6C8-12EB1550B1AC}" dt="2024-08-30T11:13:01.356" v="0" actId="2696"/>
+        <pc:sldMkLst>
+          <pc:docMk/>
+          <pc:sldMk cId="3514473714" sldId="468"/>
+        </pc:sldMkLst>
+      </pc:sldChg>
+      <pc:sldChg chg="del">
+        <pc:chgData name="Anatoliy Kigel" userId="7432c6c4687b0a9c" providerId="LiveId" clId="{C26CD1DD-F632-4811-A6C8-12EB1550B1AC}" dt="2024-08-30T11:13:01.356" v="0" actId="2696"/>
+        <pc:sldMkLst>
+          <pc:docMk/>
+          <pc:sldMk cId="1133798415" sldId="469"/>
+        </pc:sldMkLst>
+      </pc:sldChg>
+    </pc:docChg>
+  </pc:docChgLst>
 </pc:chgInfo>
 </file>
 
@@ -394,7 +437,7 @@
             <a:fld id="{85522811-C5C6-42D2-A409-F8556720C93F}" type="datetimeFigureOut">
               <a:rPr lang="uk-UA" smtClean="0"/>
               <a:pPr/>
-              <a:t>14.11.2023</a:t>
+              <a:t>30.08.2024</a:t>
             </a:fld>
             <a:endParaRPr lang="uk-UA"/>
           </a:p>
@@ -842,91 +885,6 @@
 </p:notes>
 </file>
 
-<file path=ppt/notesSlides/notesSlide3.xml><?xml version="1.0" encoding="utf-8"?>
-<p:notes xmlns:a="http://schemas.openxmlformats.org/drawingml/2006/main" xmlns:r="http://schemas.openxmlformats.org/officeDocument/2006/relationships" xmlns:p="http://schemas.openxmlformats.org/presentationml/2006/main">
-  <p:cSld>
-    <p:spTree>
-      <p:nvGrpSpPr>
-        <p:cNvPr id="1" name=""/>
-        <p:cNvGrpSpPr/>
-        <p:nvPr/>
-      </p:nvGrpSpPr>
-      <p:grpSpPr>
-        <a:xfrm>
-          <a:off x="0" y="0"/>
-          <a:ext cx="0" cy="0"/>
-          <a:chOff x="0" y="0"/>
-          <a:chExt cx="0" cy="0"/>
-        </a:xfrm>
-      </p:grpSpPr>
-      <p:sp>
-        <p:nvSpPr>
-          <p:cNvPr id="2" name="Образ слайда 1"/>
-          <p:cNvSpPr>
-            <a:spLocks noGrp="1" noRot="1" noChangeAspect="1"/>
-          </p:cNvSpPr>
-          <p:nvPr>
-            <p:ph type="sldImg"/>
-          </p:nvPr>
-        </p:nvSpPr>
-        <p:spPr/>
-      </p:sp>
-      <p:sp>
-        <p:nvSpPr>
-          <p:cNvPr id="3" name="Заметки 2"/>
-          <p:cNvSpPr>
-            <a:spLocks noGrp="1"/>
-          </p:cNvSpPr>
-          <p:nvPr>
-            <p:ph type="body" idx="1"/>
-          </p:nvPr>
-        </p:nvSpPr>
-        <p:spPr/>
-        <p:txBody>
-          <a:bodyPr/>
-          <a:lstStyle/>
-          <a:p>
-            <a:endParaRPr lang="ru-RU" dirty="0"/>
-          </a:p>
-        </p:txBody>
-      </p:sp>
-      <p:sp>
-        <p:nvSpPr>
-          <p:cNvPr id="4" name="Номер слайда 3"/>
-          <p:cNvSpPr>
-            <a:spLocks noGrp="1"/>
-          </p:cNvSpPr>
-          <p:nvPr>
-            <p:ph type="sldNum" sz="quarter" idx="10"/>
-          </p:nvPr>
-        </p:nvSpPr>
-        <p:spPr/>
-        <p:txBody>
-          <a:bodyPr/>
-          <a:lstStyle/>
-          <a:p>
-            <a:fld id="{B2668688-711B-4328-ACFB-54B46FA90133}" type="slidenum">
-              <a:rPr lang="uk-UA" smtClean="0"/>
-              <a:pPr/>
-              <a:t>21</a:t>
-            </a:fld>
-            <a:endParaRPr lang="uk-UA"/>
-          </a:p>
-        </p:txBody>
-      </p:sp>
-    </p:spTree>
-    <p:extLst>
-      <p:ext uri="{BB962C8B-B14F-4D97-AF65-F5344CB8AC3E}">
-        <p14:creationId xmlns:p14="http://schemas.microsoft.com/office/powerpoint/2010/main" val="466080116"/>
-      </p:ext>
-    </p:extLst>
-  </p:cSld>
-  <p:clrMapOvr>
-    <a:masterClrMapping/>
-  </p:clrMapOvr>
-</p:notes>
-</file>
-
 <file path=ppt/slideLayouts/slideLayout1.xml><?xml version="1.0" encoding="utf-8"?>
 <p:sldLayout xmlns:a="http://schemas.openxmlformats.org/drawingml/2006/main" xmlns:r="http://schemas.openxmlformats.org/officeDocument/2006/relationships" xmlns:p="http://schemas.openxmlformats.org/presentationml/2006/main" type="title" preserve="1">
   <p:cSld name="Титульный слайд">
@@ -1109,7 +1067,7 @@
             <a:fld id="{0A2E6AC4-C3FE-4E70-88D1-136405B25267}" type="datetime1">
               <a:rPr lang="uk-UA" smtClean="0"/>
               <a:pPr/>
-              <a:t>14.11.2023</a:t>
+              <a:t>30.08.2024</a:t>
             </a:fld>
             <a:endParaRPr lang="uk-UA"/>
           </a:p>
@@ -1276,7 +1234,7 @@
             <a:fld id="{B4D85949-5AE9-41F1-B18C-DA1006B0E8CC}" type="datetime1">
               <a:rPr lang="uk-UA" smtClean="0"/>
               <a:pPr/>
-              <a:t>14.11.2023</a:t>
+              <a:t>30.08.2024</a:t>
             </a:fld>
             <a:endParaRPr lang="uk-UA"/>
           </a:p>
@@ -1453,7 +1411,7 @@
             <a:fld id="{B20C227C-94C5-4BA1-A89C-1C7570144B22}" type="datetime1">
               <a:rPr lang="uk-UA" smtClean="0"/>
               <a:pPr/>
-              <a:t>14.11.2023</a:t>
+              <a:t>30.08.2024</a:t>
             </a:fld>
             <a:endParaRPr lang="uk-UA"/>
           </a:p>
@@ -1620,7 +1578,7 @@
             <a:fld id="{68E2E168-B245-4D8D-8538-B29990DBF87B}" type="datetime1">
               <a:rPr lang="uk-UA" smtClean="0"/>
               <a:pPr/>
-              <a:t>14.11.2023</a:t>
+              <a:t>30.08.2024</a:t>
             </a:fld>
             <a:endParaRPr lang="uk-UA"/>
           </a:p>
@@ -1863,7 +1821,7 @@
             <a:fld id="{356DAF6E-7007-4E61-B36E-794BF232B234}" type="datetime1">
               <a:rPr lang="uk-UA" smtClean="0"/>
               <a:pPr/>
-              <a:t>14.11.2023</a:t>
+              <a:t>30.08.2024</a:t>
             </a:fld>
             <a:endParaRPr lang="uk-UA"/>
           </a:p>
@@ -2148,7 +2106,7 @@
             <a:fld id="{4B2141DD-FE72-44AA-B946-B70892F1F5B7}" type="datetime1">
               <a:rPr lang="uk-UA" smtClean="0"/>
               <a:pPr/>
-              <a:t>14.11.2023</a:t>
+              <a:t>30.08.2024</a:t>
             </a:fld>
             <a:endParaRPr lang="uk-UA"/>
           </a:p>
@@ -2567,7 +2525,7 @@
             <a:fld id="{D1C4DC7C-6CC4-4D1F-A21B-A650800E0532}" type="datetime1">
               <a:rPr lang="uk-UA" smtClean="0"/>
               <a:pPr/>
-              <a:t>14.11.2023</a:t>
+              <a:t>30.08.2024</a:t>
             </a:fld>
             <a:endParaRPr lang="uk-UA"/>
           </a:p>
@@ -2682,7 +2640,7 @@
             <a:fld id="{09E753FA-BE70-4E9D-A1A2-A798C2E22C2C}" type="datetime1">
               <a:rPr lang="uk-UA" smtClean="0"/>
               <a:pPr/>
-              <a:t>14.11.2023</a:t>
+              <a:t>30.08.2024</a:t>
             </a:fld>
             <a:endParaRPr lang="uk-UA"/>
           </a:p>
@@ -2774,7 +2732,7 @@
             <a:fld id="{BC4E9D1B-A194-48C6-B5A1-4C29D0F81227}" type="datetime1">
               <a:rPr lang="uk-UA" smtClean="0"/>
               <a:pPr/>
-              <a:t>14.11.2023</a:t>
+              <a:t>30.08.2024</a:t>
             </a:fld>
             <a:endParaRPr lang="uk-UA"/>
           </a:p>
@@ -3048,7 +3006,7 @@
             <a:fld id="{98DC5B78-3AEE-4E8C-84A2-DF8B252C6B7D}" type="datetime1">
               <a:rPr lang="uk-UA" smtClean="0"/>
               <a:pPr/>
-              <a:t>14.11.2023</a:t>
+              <a:t>30.08.2024</a:t>
             </a:fld>
             <a:endParaRPr lang="uk-UA"/>
           </a:p>
@@ -3298,7 +3256,7 @@
             <a:fld id="{08E6AC05-7690-4D29-B090-15CFA8055B58}" type="datetime1">
               <a:rPr lang="uk-UA" smtClean="0"/>
               <a:pPr/>
-              <a:t>14.11.2023</a:t>
+              <a:t>30.08.2024</a:t>
             </a:fld>
             <a:endParaRPr lang="uk-UA"/>
           </a:p>
@@ -3508,7 +3466,7 @@
             <a:fld id="{C4778AB5-85A2-4D58-9351-A198925B541D}" type="datetime1">
               <a:rPr lang="uk-UA" smtClean="0"/>
               <a:pPr/>
-              <a:t>14.11.2023</a:t>
+              <a:t>30.08.2024</a:t>
             </a:fld>
             <a:endParaRPr lang="uk-UA"/>
           </a:p>
@@ -6734,25 +6692,29 @@
           <a:p>
             <a:pPr algn="ctr"/>
             <a:r>
-              <a:rPr lang="en-US" sz="8000" b="1" dirty="0"/>
+              <a:rPr lang="en-US" sz="6000" b="1" dirty="0"/>
               <a:t>8</a:t>
             </a:r>
             <a:r>
-              <a:rPr lang="ru-RU" sz="8000" b="1" dirty="0"/>
-              <a:t>. </a:t>
-            </a:r>
-            <a:r>
-              <a:rPr lang="en-US" sz="8000" b="1" dirty="0"/>
-              <a:t>Math</a:t>
-            </a:r>
-            <a:endParaRPr lang="uk-UA" sz="8000" b="1" dirty="0"/>
+              <a:rPr lang="ru-RU" sz="6000" b="1" dirty="0"/>
+              <a:t>. Немного практики </a:t>
+            </a:r>
+            <a:r>
+              <a:rPr lang="en-US" sz="6000" b="1" dirty="0"/>
+              <a:t>#</a:t>
+            </a:r>
+            <a:r>
+              <a:rPr lang="ru-RU" sz="6000" b="1" dirty="0"/>
+              <a:t>1</a:t>
+            </a:r>
+            <a:endParaRPr lang="uk-UA" sz="6000" b="1" dirty="0"/>
           </a:p>
         </p:txBody>
       </p:sp>
     </p:spTree>
     <p:extLst>
       <p:ext uri="{BB962C8B-B14F-4D97-AF65-F5344CB8AC3E}">
-        <p14:creationId xmlns:p14="http://schemas.microsoft.com/office/powerpoint/2010/main" val="3514473714"/>
+        <p14:creationId xmlns:p14="http://schemas.microsoft.com/office/powerpoint/2010/main" val="595765274"/>
       </p:ext>
     </p:extLst>
   </p:cSld>
@@ -6781,7 +6743,7 @@
       </p:grpSpPr>
       <p:sp>
         <p:nvSpPr>
-          <p:cNvPr id="6" name="Номер слайда 36"/>
+          <p:cNvPr id="7" name="Номер слайда 36"/>
           <p:cNvSpPr txBox="1">
             <a:spLocks/>
           </p:cNvSpPr>
@@ -6789,7 +6751,7 @@
         </p:nvSpPr>
         <p:spPr>
           <a:xfrm>
-            <a:off x="11212969" y="6165304"/>
+            <a:off x="11208568" y="6093296"/>
             <a:ext cx="648072" cy="432048"/>
           </a:xfrm>
           <a:prstGeom prst="roundRect">
@@ -6829,7 +6791,9 @@
             <a:fld id="{6389AA22-90B4-448C-8B6B-C699140D38B9}" type="slidenum">
               <a:rPr lang="uk-UA" sz="2400" b="1">
                 <a:solidFill>
-                  <a:schemeClr val="tx1"/>
+                  <a:schemeClr val="bg1">
+                    <a:lumMod val="50000"/>
+                  </a:schemeClr>
                 </a:solidFill>
               </a:rPr>
               <a:pPr algn="ctr">
@@ -6839,7 +6803,9 @@
             </a:fld>
             <a:endParaRPr lang="uk-UA" sz="2400" b="1" dirty="0">
               <a:solidFill>
-                <a:schemeClr val="tx1"/>
+                <a:schemeClr val="bg1">
+                  <a:lumMod val="50000"/>
+                </a:schemeClr>
               </a:solidFill>
             </a:endParaRPr>
           </a:p>
@@ -6847,14 +6813,14 @@
       </p:sp>
       <p:sp>
         <p:nvSpPr>
-          <p:cNvPr id="3" name="TextBox 2"/>
+          <p:cNvPr id="9" name="TextBox 8"/>
           <p:cNvSpPr txBox="1"/>
           <p:nvPr/>
         </p:nvSpPr>
         <p:spPr>
           <a:xfrm>
-            <a:off x="0" y="260648"/>
-            <a:ext cx="12192000" cy="584775"/>
+            <a:off x="1919536" y="1844824"/>
+            <a:ext cx="8856984" cy="3170099"/>
           </a:xfrm>
           <a:prstGeom prst="rect">
             <a:avLst/>
@@ -6867,110 +6833,26 @@
           </a:bodyPr>
           <a:lstStyle/>
           <a:p>
-            <a:pPr algn="ctr"/>
-            <a:r>
-              <a:rPr lang="ru-RU" sz="3200" b="1" dirty="0"/>
-              <a:t>Объект </a:t>
-            </a:r>
-            <a:r>
-              <a:rPr lang="en-US" sz="3200" b="1" dirty="0">
-                <a:solidFill>
-                  <a:schemeClr val="accent6">
-                    <a:lumMod val="75000"/>
-                  </a:schemeClr>
-                </a:solidFill>
-              </a:rPr>
-              <a:t>Math</a:t>
-            </a:r>
-            <a:endParaRPr lang="ru-RU" sz="3200" b="1" dirty="0">
-              <a:solidFill>
-                <a:schemeClr val="accent6">
-                  <a:lumMod val="75000"/>
-                </a:schemeClr>
-              </a:solidFill>
-            </a:endParaRPr>
-          </a:p>
-        </p:txBody>
-      </p:sp>
-      <p:sp>
-        <p:nvSpPr>
-          <p:cNvPr id="8" name="TextBox 7"/>
-          <p:cNvSpPr txBox="1"/>
-          <p:nvPr/>
-        </p:nvSpPr>
-        <p:spPr>
-          <a:xfrm>
-            <a:off x="7711047" y="1556792"/>
-            <a:ext cx="3816875" cy="2246769"/>
-          </a:xfrm>
-          <a:prstGeom prst="rect">
-            <a:avLst/>
-          </a:prstGeom>
-          <a:noFill/>
-        </p:spPr>
-        <p:txBody>
-          <a:bodyPr wrap="square" rtlCol="0">
-            <a:spAutoFit/>
-          </a:bodyPr>
-          <a:lstStyle/>
-          <a:p>
-            <a:r>
-              <a:rPr lang="ru-RU" sz="2800" dirty="0"/>
-              <a:t>Объект </a:t>
-            </a:r>
-            <a:r>
-              <a:rPr lang="en-US" sz="2800" b="1" dirty="0"/>
-              <a:t>Math</a:t>
-            </a:r>
-            <a:r>
-              <a:rPr lang="en-US" sz="2800" dirty="0"/>
-              <a:t> </a:t>
-            </a:r>
-            <a:r>
-              <a:rPr lang="ru-RU" sz="2800" dirty="0"/>
-              <a:t>содержит большое количество математических функций, в частности функции округления…</a:t>
-            </a:r>
-          </a:p>
-        </p:txBody>
-      </p:sp>
-      <p:pic>
-        <p:nvPicPr>
-          <p:cNvPr id="4" name="Рисунок 3"/>
-          <p:cNvPicPr>
-            <a:picLocks noChangeAspect="1"/>
-          </p:cNvPicPr>
-          <p:nvPr/>
-        </p:nvPicPr>
-        <p:blipFill>
-          <a:blip r:embed="rId3"/>
-          <a:stretch>
-            <a:fillRect/>
-          </a:stretch>
-        </p:blipFill>
-        <p:spPr>
-          <a:xfrm>
-            <a:off x="1415480" y="1556792"/>
-            <a:ext cx="5448300" cy="4114800"/>
-          </a:xfrm>
-          <a:prstGeom prst="rect">
-            <a:avLst/>
-          </a:prstGeom>
-          <a:ln>
-            <a:noFill/>
-          </a:ln>
-          <a:effectLst>
-            <a:outerShdw blurRad="190500" algn="tl" rotWithShape="0">
-              <a:srgbClr val="000000">
-                <a:alpha val="70000"/>
-              </a:srgbClr>
-            </a:outerShdw>
-          </a:effectLst>
-        </p:spPr>
-      </p:pic>
+            <a:r>
+              <a:rPr lang="ru-RU" sz="4000" b="1" dirty="0"/>
+              <a:t>Задача: </a:t>
+            </a:r>
+            <a:r>
+              <a:rPr lang="ru-RU" sz="4000" dirty="0"/>
+              <a:t>Разработать скрипт который на основании дохода физ. лица рассчитает суммы налогов которые ему необходимо заплатить и сколько у него останется после уплаты налогов</a:t>
+            </a:r>
+            <a:r>
+              <a:rPr lang="en-US" sz="4000" dirty="0"/>
+              <a:t>.</a:t>
+            </a:r>
+            <a:endParaRPr lang="ru-RU" sz="4000" dirty="0"/>
+          </a:p>
+        </p:txBody>
+      </p:sp>
     </p:spTree>
     <p:extLst>
       <p:ext uri="{BB962C8B-B14F-4D97-AF65-F5344CB8AC3E}">
-        <p14:creationId xmlns:p14="http://schemas.microsoft.com/office/powerpoint/2010/main" val="1133798415"/>
+        <p14:creationId xmlns:p14="http://schemas.microsoft.com/office/powerpoint/2010/main" val="440040314"/>
       </p:ext>
     </p:extLst>
   </p:cSld>
@@ -7039,20 +6921,20 @@
           <a:p>
             <a:pPr algn="ctr"/>
             <a:r>
+              <a:rPr lang="en-US" sz="6000" b="1"/>
+              <a:t>9</a:t>
+            </a:r>
+            <a:r>
+              <a:rPr lang="ru-RU" sz="6000" b="1"/>
+              <a:t>. </a:t>
+            </a:r>
+            <a:r>
+              <a:rPr lang="ru-RU" sz="6000" b="1" dirty="0"/>
+              <a:t>Немного практики </a:t>
+            </a:r>
+            <a:r>
               <a:rPr lang="en-US" sz="6000" b="1" dirty="0"/>
-              <a:t>9</a:t>
-            </a:r>
-            <a:r>
-              <a:rPr lang="ru-RU" sz="6000" b="1" dirty="0"/>
-              <a:t>. Немного практики </a:t>
-            </a:r>
-            <a:r>
-              <a:rPr lang="en-US" sz="6000" b="1" dirty="0"/>
-              <a:t>#</a:t>
-            </a:r>
-            <a:r>
-              <a:rPr lang="ru-RU" sz="6000" b="1" dirty="0"/>
-              <a:t>1</a:t>
+              <a:t>#2</a:t>
             </a:r>
             <a:endParaRPr lang="uk-UA" sz="6000" b="1" dirty="0"/>
           </a:p>
@@ -7061,7 +6943,7 @@
     </p:spTree>
     <p:extLst>
       <p:ext uri="{BB962C8B-B14F-4D97-AF65-F5344CB8AC3E}">
-        <p14:creationId xmlns:p14="http://schemas.microsoft.com/office/powerpoint/2010/main" val="595765274"/>
+        <p14:creationId xmlns:p14="http://schemas.microsoft.com/office/powerpoint/2010/main" val="1745563422"/>
       </p:ext>
     </p:extLst>
   </p:cSld>
@@ -7166,8 +7048,8 @@
         </p:nvSpPr>
         <p:spPr>
           <a:xfrm>
-            <a:off x="1919536" y="1844824"/>
-            <a:ext cx="8856984" cy="3170099"/>
+            <a:off x="2351584" y="2564904"/>
+            <a:ext cx="8640960" cy="1938992"/>
           </a:xfrm>
           <a:prstGeom prst="rect">
             <a:avLst/>
@@ -7186,7 +7068,19 @@
             </a:r>
             <a:r>
               <a:rPr lang="ru-RU" sz="4000" dirty="0"/>
-              <a:t>Разработать скрипт который на основании дохода физ. лица рассчитает суммы налогов которые ему необходимо заплатить и сколько у него останется после уплаты налогов</a:t>
+              <a:t>Разработать скрипт который рассчитывает </a:t>
+            </a:r>
+            <a:r>
+              <a:rPr lang="ru-RU" sz="4000" b="1" dirty="0"/>
+              <a:t>индекс массы тела</a:t>
+            </a:r>
+            <a:r>
+              <a:rPr lang="en-US" sz="4000" b="1" dirty="0"/>
+              <a:t> </a:t>
+            </a:r>
+            <a:r>
+              <a:rPr lang="ru-RU" sz="4000" dirty="0"/>
+              <a:t>пользователя</a:t>
             </a:r>
             <a:r>
               <a:rPr lang="en-US" sz="4000" dirty="0"/>
@@ -7199,7 +7093,7 @@
     </p:spTree>
     <p:extLst>
       <p:ext uri="{BB962C8B-B14F-4D97-AF65-F5344CB8AC3E}">
-        <p14:creationId xmlns:p14="http://schemas.microsoft.com/office/powerpoint/2010/main" val="440040314"/>
+        <p14:creationId xmlns:p14="http://schemas.microsoft.com/office/powerpoint/2010/main" val="611823737"/>
       </p:ext>
     </p:extLst>
   </p:cSld>
@@ -7268,25 +7162,21 @@
           <a:p>
             <a:pPr algn="ctr"/>
             <a:r>
-              <a:rPr lang="en-US" sz="6000" b="1" dirty="0"/>
-              <a:t>10</a:t>
-            </a:r>
-            <a:r>
-              <a:rPr lang="ru-RU" sz="6000" b="1" dirty="0"/>
-              <a:t>. Немного практики </a:t>
-            </a:r>
-            <a:r>
-              <a:rPr lang="en-US" sz="6000" b="1" dirty="0"/>
-              <a:t>#2</a:t>
-            </a:r>
-            <a:endParaRPr lang="uk-UA" sz="6000" b="1" dirty="0"/>
+              <a:rPr lang="ru-RU" sz="8000" b="1" dirty="0"/>
+              <a:t>Будет полезным</a:t>
+            </a:r>
+            <a:endParaRPr lang="ru-RU" sz="8000" b="1" dirty="0">
+              <a:solidFill>
+                <a:srgbClr val="92D050"/>
+              </a:solidFill>
+            </a:endParaRPr>
           </a:p>
         </p:txBody>
       </p:sp>
     </p:spTree>
     <p:extLst>
       <p:ext uri="{BB962C8B-B14F-4D97-AF65-F5344CB8AC3E}">
-        <p14:creationId xmlns:p14="http://schemas.microsoft.com/office/powerpoint/2010/main" val="1745563422"/>
+        <p14:creationId xmlns:p14="http://schemas.microsoft.com/office/powerpoint/2010/main" val="3049747109"/>
       </p:ext>
     </p:extLst>
   </p:cSld>
@@ -7383,16 +7273,126 @@
           </a:p>
         </p:txBody>
       </p:sp>
-      <p:sp>
-        <p:nvSpPr>
-          <p:cNvPr id="9" name="TextBox 8"/>
+      <p:pic>
+        <p:nvPicPr>
+          <p:cNvPr id="1026" name="Picture 2" descr="https://cv6.litres.ru/pub/c/pdf-kniga/cover_max1500/50447564-author-haverbeke_mareyin-kniga_vyirazitelnyiyi_javascript_sovremennoe_v.jpg"/>
+          <p:cNvPicPr>
+            <a:picLocks noChangeAspect="1" noChangeArrowheads="1"/>
+          </p:cNvPicPr>
+          <p:nvPr/>
+        </p:nvPicPr>
+        <p:blipFill>
+          <a:blip r:embed="rId2">
+            <a:extLst>
+              <a:ext uri="{28A0092B-C50C-407E-A947-70E740481C1C}">
+                <a14:useLocalDpi xmlns:a14="http://schemas.microsoft.com/office/drawing/2010/main" val="0"/>
+              </a:ext>
+            </a:extLst>
+          </a:blip>
+          <a:srcRect/>
+          <a:stretch>
+            <a:fillRect/>
+          </a:stretch>
+        </p:blipFill>
+        <p:spPr bwMode="auto">
+          <a:xfrm>
+            <a:off x="-19315" y="0"/>
+            <a:ext cx="4857994" cy="6858000"/>
+          </a:xfrm>
+          <a:prstGeom prst="rect">
+            <a:avLst/>
+          </a:prstGeom>
+          <a:ln>
+            <a:noFill/>
+          </a:ln>
+          <a:effectLst>
+            <a:outerShdw blurRad="190500" algn="tl" rotWithShape="0">
+              <a:srgbClr val="000000">
+                <a:alpha val="70000"/>
+              </a:srgbClr>
+            </a:outerShdw>
+          </a:effectLst>
+          <a:extLst>
+            <a:ext uri="{909E8E84-426E-40DD-AFC4-6F175D3DCCD1}">
+              <a14:hiddenFill xmlns:a14="http://schemas.microsoft.com/office/drawing/2010/main">
+                <a:solidFill>
+                  <a:srgbClr val="FFFFFF"/>
+                </a:solidFill>
+              </a14:hiddenFill>
+            </a:ext>
+          </a:extLst>
+        </p:spPr>
+      </p:pic>
+      <p:sp>
+        <p:nvSpPr>
+          <p:cNvPr id="3" name="Прямоугольник 2"/>
+          <p:cNvSpPr/>
+          <p:nvPr/>
+        </p:nvSpPr>
+        <p:spPr>
+          <a:xfrm>
+            <a:off x="5760640" y="1268760"/>
+            <a:ext cx="6096000" cy="1569660"/>
+          </a:xfrm>
+          <a:prstGeom prst="rect">
+            <a:avLst/>
+          </a:prstGeom>
+        </p:spPr>
+        <p:txBody>
+          <a:bodyPr>
+            <a:spAutoFit/>
+          </a:bodyPr>
+          <a:lstStyle/>
+          <a:p>
+            <a:r>
+              <a:rPr lang="ru-RU" sz="3600" b="1" dirty="0"/>
+              <a:t>Выразительный </a:t>
+            </a:r>
+            <a:r>
+              <a:rPr lang="ru-RU" sz="3600" b="1" dirty="0" err="1"/>
+              <a:t>JavaScript</a:t>
+            </a:r>
+            <a:r>
+              <a:rPr lang="ru-RU" sz="3600" b="1" dirty="0"/>
+              <a:t>. </a:t>
+            </a:r>
+          </a:p>
+          <a:p>
+            <a:r>
+              <a:rPr lang="ru-RU" i="1" dirty="0"/>
+              <a:t>Современное веб-программирование </a:t>
+            </a:r>
+          </a:p>
+          <a:p>
+            <a:endParaRPr lang="ru-RU" dirty="0"/>
+          </a:p>
+          <a:p>
+            <a:r>
+              <a:rPr lang="ru-RU" sz="2400" b="1" dirty="0" err="1"/>
+              <a:t>Марейн</a:t>
+            </a:r>
+            <a:r>
+              <a:rPr lang="ru-RU" sz="2400" b="1" dirty="0"/>
+              <a:t> </a:t>
+            </a:r>
+            <a:r>
+              <a:rPr lang="ru-RU" sz="2400" b="1" dirty="0" err="1"/>
+              <a:t>Хавербеке</a:t>
+            </a:r>
+            <a:endParaRPr lang="ru-RU" sz="2400" b="1" dirty="0"/>
+          </a:p>
+        </p:txBody>
+      </p:sp>
+      <p:sp>
+        <p:nvSpPr>
+          <p:cNvPr id="4" name="TextBox 3"/>
           <p:cNvSpPr txBox="1"/>
           <p:nvPr/>
         </p:nvSpPr>
         <p:spPr>
           <a:xfrm>
-            <a:off x="2351584" y="2564904"/>
-            <a:ext cx="8640960" cy="1938992"/>
+            <a:off x="5735960" y="3429000"/>
+            <a:ext cx="3665662" cy="1569660"/>
           </a:xfrm>
           <a:prstGeom prst="rect">
             <a:avLst/>
@@ -7406,37 +7406,21 @@
           <a:lstStyle/>
           <a:p>
             <a:r>
-              <a:rPr lang="ru-RU" sz="4000" b="1" dirty="0"/>
-              <a:t>Задача: </a:t>
-            </a:r>
-            <a:r>
-              <a:rPr lang="ru-RU" sz="4000" dirty="0"/>
-              <a:t>Разработать скрипт который рассчитывает </a:t>
-            </a:r>
-            <a:r>
-              <a:rPr lang="ru-RU" sz="4000" b="1" dirty="0"/>
-              <a:t>индекс массы тела</a:t>
-            </a:r>
-            <a:r>
-              <a:rPr lang="en-US" sz="4000" b="1" dirty="0"/>
-              <a:t> </a:t>
-            </a:r>
-            <a:r>
-              <a:rPr lang="ru-RU" sz="4000" dirty="0"/>
-              <a:t>пользователя</a:t>
-            </a:r>
-            <a:r>
-              <a:rPr lang="en-US" sz="4000" dirty="0"/>
-              <a:t>.</a:t>
-            </a:r>
-            <a:endParaRPr lang="ru-RU" sz="4000" dirty="0"/>
+              <a:rPr lang="ru-RU" sz="2400" i="1" dirty="0"/>
+              <a:t>Замечательная книга, как для введения в программирование, так и освоения </a:t>
+            </a:r>
+            <a:r>
+              <a:rPr lang="en-US" sz="2400" i="1" dirty="0"/>
+              <a:t>JavaScript.</a:t>
+            </a:r>
+            <a:endParaRPr lang="ru-RU" sz="2400" i="1" dirty="0"/>
           </a:p>
         </p:txBody>
       </p:sp>
     </p:spTree>
     <p:extLst>
       <p:ext uri="{BB962C8B-B14F-4D97-AF65-F5344CB8AC3E}">
-        <p14:creationId xmlns:p14="http://schemas.microsoft.com/office/powerpoint/2010/main" val="611823737"/>
+        <p14:creationId xmlns:p14="http://schemas.microsoft.com/office/powerpoint/2010/main" val="2364477202"/>
       </p:ext>
     </p:extLst>
   </p:cSld>
@@ -7465,61 +7449,217 @@
       </p:grpSpPr>
       <p:sp>
         <p:nvSpPr>
-          <p:cNvPr id="5" name="Прямоугольник 4"/>
-          <p:cNvSpPr/>
+          <p:cNvPr id="7" name="Номер слайда 36"/>
+          <p:cNvSpPr txBox="1">
+            <a:spLocks/>
+          </p:cNvSpPr>
           <p:nvPr/>
         </p:nvSpPr>
         <p:spPr>
           <a:xfrm>
-            <a:off x="0" y="0"/>
-            <a:ext cx="12192000" cy="6858000"/>
-          </a:xfrm>
-          <a:prstGeom prst="rect">
+            <a:off x="11208568" y="6093296"/>
+            <a:ext cx="648072" cy="432048"/>
+          </a:xfrm>
+          <a:prstGeom prst="roundRect">
             <a:avLst/>
           </a:prstGeom>
-          <a:solidFill>
-            <a:schemeClr val="tx2">
-              <a:lumMod val="75000"/>
-            </a:schemeClr>
-          </a:solidFill>
+          <a:ln w="25400" cap="flat" cmpd="sng" algn="ctr">
+            <a:solidFill>
+              <a:schemeClr val="tx2">
+                <a:lumMod val="60000"/>
+                <a:lumOff val="40000"/>
+              </a:schemeClr>
+            </a:solidFill>
+            <a:prstDash val="solid"/>
+          </a:ln>
         </p:spPr>
         <p:style>
           <a:lnRef idx="2">
-            <a:schemeClr val="accent1">
-              <a:shade val="50000"/>
-            </a:schemeClr>
+            <a:schemeClr val="accent1"/>
           </a:lnRef>
           <a:fillRef idx="1">
-            <a:schemeClr val="accent1"/>
+            <a:schemeClr val="lt1"/>
           </a:fillRef>
           <a:effectRef idx="0">
             <a:schemeClr val="accent1"/>
           </a:effectRef>
           <a:fontRef idx="minor">
-            <a:schemeClr val="lt1"/>
+            <a:schemeClr val="dk1"/>
           </a:fontRef>
         </p:style>
         <p:txBody>
-          <a:bodyPr rtlCol="0" anchor="ctr"/>
-          <a:lstStyle/>
-          <a:p>
-            <a:pPr algn="ctr"/>
-            <a:r>
-              <a:rPr lang="ru-RU" sz="8000" b="1" dirty="0"/>
-              <a:t>Будет полезным</a:t>
-            </a:r>
-            <a:endParaRPr lang="ru-RU" sz="8000" b="1" dirty="0">
+          <a:bodyPr vert="horz" lIns="91440" tIns="45720" rIns="91440" bIns="45720" rtlCol="0" anchor="ctr"/>
+          <a:lstStyle/>
+          <a:p>
+            <a:pPr algn="ctr">
+              <a:defRPr/>
+            </a:pPr>
+            <a:fld id="{6389AA22-90B4-448C-8B6B-C699140D38B9}" type="slidenum">
+              <a:rPr lang="uk-UA" sz="2400" b="1">
+                <a:solidFill>
+                  <a:schemeClr val="bg1">
+                    <a:lumMod val="50000"/>
+                  </a:schemeClr>
+                </a:solidFill>
+              </a:rPr>
+              <a:pPr algn="ctr">
+                <a:defRPr/>
+              </a:pPr>
+              <a:t>26</a:t>
+            </a:fld>
+            <a:endParaRPr lang="uk-UA" sz="2400" b="1" dirty="0">
               <a:solidFill>
-                <a:srgbClr val="92D050"/>
+                <a:schemeClr val="bg1">
+                  <a:lumMod val="50000"/>
+                </a:schemeClr>
               </a:solidFill>
             </a:endParaRPr>
+          </a:p>
+        </p:txBody>
+      </p:sp>
+      <p:sp>
+        <p:nvSpPr>
+          <p:cNvPr id="5" name="TextBox 4">
+            <a:extLst>
+              <a:ext uri="{FF2B5EF4-FFF2-40B4-BE49-F238E27FC236}">
+                <a16:creationId xmlns:a16="http://schemas.microsoft.com/office/drawing/2014/main" id="{4E3EDE1B-0BF4-12C0-F1C9-C467E43B1747}"/>
+              </a:ext>
+            </a:extLst>
+          </p:cNvPr>
+          <p:cNvSpPr txBox="1"/>
+          <p:nvPr/>
+        </p:nvSpPr>
+        <p:spPr>
+          <a:xfrm>
+            <a:off x="0" y="5949280"/>
+            <a:ext cx="12192000" cy="523220"/>
+          </a:xfrm>
+          <a:prstGeom prst="rect">
+            <a:avLst/>
+          </a:prstGeom>
+          <a:noFill/>
+        </p:spPr>
+        <p:txBody>
+          <a:bodyPr wrap="square">
+            <a:spAutoFit/>
+          </a:bodyPr>
+          <a:lstStyle/>
+          <a:p>
+            <a:pPr algn="ctr"/>
+            <a:r>
+              <a:rPr lang="uk-UA" sz="2800" b="1" dirty="0">
+                <a:hlinkClick r:id="rId2"/>
+              </a:rPr>
+              <a:t>https://uk.javascript.info/</a:t>
+            </a:r>
+            <a:endParaRPr lang="uk-UA" sz="2800" b="1" dirty="0"/>
+          </a:p>
+        </p:txBody>
+      </p:sp>
+      <p:pic>
+        <p:nvPicPr>
+          <p:cNvPr id="8" name="Рисунок 7">
+            <a:extLst>
+              <a:ext uri="{FF2B5EF4-FFF2-40B4-BE49-F238E27FC236}">
+                <a16:creationId xmlns:a16="http://schemas.microsoft.com/office/drawing/2014/main" id="{2A4512AD-DBCA-6927-E509-C2491D7FB422}"/>
+              </a:ext>
+            </a:extLst>
+          </p:cNvPr>
+          <p:cNvPicPr>
+            <a:picLocks noChangeAspect="1"/>
+          </p:cNvPicPr>
+          <p:nvPr/>
+        </p:nvPicPr>
+        <p:blipFill>
+          <a:blip r:embed="rId3"/>
+          <a:stretch>
+            <a:fillRect/>
+          </a:stretch>
+        </p:blipFill>
+        <p:spPr>
+          <a:xfrm>
+            <a:off x="3827748" y="675751"/>
+            <a:ext cx="4536504" cy="1280151"/>
+          </a:xfrm>
+          <a:prstGeom prst="rect">
+            <a:avLst/>
+          </a:prstGeom>
+        </p:spPr>
+      </p:pic>
+      <p:pic>
+        <p:nvPicPr>
+          <p:cNvPr id="10" name="Рисунок 9">
+            <a:extLst>
+              <a:ext uri="{FF2B5EF4-FFF2-40B4-BE49-F238E27FC236}">
+                <a16:creationId xmlns:a16="http://schemas.microsoft.com/office/drawing/2014/main" id="{0AE5B1A7-CD8E-7126-41DD-9349E4A198D1}"/>
+              </a:ext>
+            </a:extLst>
+          </p:cNvPr>
+          <p:cNvPicPr>
+            <a:picLocks noChangeAspect="1"/>
+          </p:cNvPicPr>
+          <p:nvPr/>
+        </p:nvPicPr>
+        <p:blipFill>
+          <a:blip r:embed="rId4"/>
+          <a:stretch>
+            <a:fillRect/>
+          </a:stretch>
+        </p:blipFill>
+        <p:spPr>
+          <a:xfrm>
+            <a:off x="3935760" y="1955902"/>
+            <a:ext cx="4371084" cy="3736794"/>
+          </a:xfrm>
+          <a:prstGeom prst="rect">
+            <a:avLst/>
+          </a:prstGeom>
+        </p:spPr>
+      </p:pic>
+      <p:sp>
+        <p:nvSpPr>
+          <p:cNvPr id="11" name="Прямоугольник 2">
+            <a:extLst>
+              <a:ext uri="{FF2B5EF4-FFF2-40B4-BE49-F238E27FC236}">
+                <a16:creationId xmlns:a16="http://schemas.microsoft.com/office/drawing/2014/main" id="{B7953043-2886-45A7-0307-FACB0C1A71AD}"/>
+              </a:ext>
+            </a:extLst>
+          </p:cNvPr>
+          <p:cNvSpPr/>
+          <p:nvPr/>
+        </p:nvSpPr>
+        <p:spPr>
+          <a:xfrm>
+            <a:off x="0" y="334397"/>
+            <a:ext cx="12192000" cy="646331"/>
+          </a:xfrm>
+          <a:prstGeom prst="rect">
+            <a:avLst/>
+          </a:prstGeom>
+        </p:spPr>
+        <p:txBody>
+          <a:bodyPr wrap="square">
+            <a:spAutoFit/>
+          </a:bodyPr>
+          <a:lstStyle/>
+          <a:p>
+            <a:pPr algn="ctr"/>
+            <a:r>
+              <a:rPr lang="ru-RU" sz="3600" b="1" dirty="0"/>
+              <a:t>«Учебник» по </a:t>
+            </a:r>
+            <a:r>
+              <a:rPr lang="en-US" sz="3600" b="1" dirty="0"/>
+              <a:t>JavaScript</a:t>
+            </a:r>
+            <a:endParaRPr lang="ru-RU" sz="2400" b="1" dirty="0"/>
           </a:p>
         </p:txBody>
       </p:sp>
     </p:spTree>
     <p:extLst>
       <p:ext uri="{BB962C8B-B14F-4D97-AF65-F5344CB8AC3E}">
-        <p14:creationId xmlns:p14="http://schemas.microsoft.com/office/powerpoint/2010/main" val="3049747109"/>
+        <p14:creationId xmlns:p14="http://schemas.microsoft.com/office/powerpoint/2010/main" val="3918066561"/>
       </p:ext>
     </p:extLst>
   </p:cSld>
@@ -7548,222 +7688,67 @@
       </p:grpSpPr>
       <p:sp>
         <p:nvSpPr>
-          <p:cNvPr id="7" name="Номер слайда 36"/>
-          <p:cNvSpPr txBox="1">
-            <a:spLocks/>
-          </p:cNvSpPr>
+          <p:cNvPr id="5" name="Прямоугольник 4"/>
+          <p:cNvSpPr/>
           <p:nvPr/>
         </p:nvSpPr>
         <p:spPr>
           <a:xfrm>
-            <a:off x="11208568" y="6093296"/>
-            <a:ext cx="648072" cy="432048"/>
-          </a:xfrm>
-          <a:prstGeom prst="roundRect">
+            <a:off x="0" y="0"/>
+            <a:ext cx="12192000" cy="6858000"/>
+          </a:xfrm>
+          <a:prstGeom prst="rect">
             <a:avLst/>
           </a:prstGeom>
-          <a:ln w="25400" cap="flat" cmpd="sng" algn="ctr">
-            <a:solidFill>
-              <a:schemeClr val="tx2">
-                <a:lumMod val="60000"/>
-                <a:lumOff val="40000"/>
-              </a:schemeClr>
-            </a:solidFill>
-            <a:prstDash val="solid"/>
-          </a:ln>
+          <a:solidFill>
+            <a:schemeClr val="tx2">
+              <a:lumMod val="75000"/>
+            </a:schemeClr>
+          </a:solidFill>
         </p:spPr>
         <p:style>
           <a:lnRef idx="2">
-            <a:schemeClr val="accent1"/>
+            <a:schemeClr val="accent1">
+              <a:shade val="50000"/>
+            </a:schemeClr>
           </a:lnRef>
           <a:fillRef idx="1">
-            <a:schemeClr val="lt1"/>
+            <a:schemeClr val="accent1"/>
           </a:fillRef>
           <a:effectRef idx="0">
             <a:schemeClr val="accent1"/>
           </a:effectRef>
           <a:fontRef idx="minor">
-            <a:schemeClr val="dk1"/>
+            <a:schemeClr val="lt1"/>
           </a:fontRef>
         </p:style>
         <p:txBody>
-          <a:bodyPr vert="horz" lIns="91440" tIns="45720" rIns="91440" bIns="45720" rtlCol="0" anchor="ctr"/>
-          <a:lstStyle/>
-          <a:p>
-            <a:pPr algn="ctr">
-              <a:defRPr/>
-            </a:pPr>
-            <a:fld id="{6389AA22-90B4-448C-8B6B-C699140D38B9}" type="slidenum">
-              <a:rPr lang="uk-UA" sz="2400" b="1">
+          <a:bodyPr rtlCol="0" anchor="ctr"/>
+          <a:lstStyle/>
+          <a:p>
+            <a:pPr algn="ctr"/>
+            <a:r>
+              <a:rPr lang="ru-RU" sz="6000" b="1" dirty="0"/>
+              <a:t>Домашнее задание</a:t>
+            </a:r>
+          </a:p>
+          <a:p>
+            <a:pPr algn="ctr"/>
+            <a:r>
+              <a:rPr lang="ru-RU" sz="6000" b="1" dirty="0">
                 <a:solidFill>
-                  <a:schemeClr val="bg1">
-                    <a:lumMod val="50000"/>
-                  </a:schemeClr>
+                  <a:srgbClr val="92D050"/>
                 </a:solidFill>
               </a:rPr>
-              <a:pPr algn="ctr">
-                <a:defRPr/>
-              </a:pPr>
-              <a:t>27</a:t>
-            </a:fld>
-            <a:endParaRPr lang="uk-UA" sz="2400" b="1" dirty="0">
-              <a:solidFill>
-                <a:schemeClr val="bg1">
-                  <a:lumMod val="50000"/>
-                </a:schemeClr>
-              </a:solidFill>
-            </a:endParaRPr>
-          </a:p>
-        </p:txBody>
-      </p:sp>
-      <p:pic>
-        <p:nvPicPr>
-          <p:cNvPr id="1026" name="Picture 2" descr="https://cv6.litres.ru/pub/c/pdf-kniga/cover_max1500/50447564-author-haverbeke_mareyin-kniga_vyirazitelnyiyi_javascript_sovremennoe_v.jpg"/>
-          <p:cNvPicPr>
-            <a:picLocks noChangeAspect="1" noChangeArrowheads="1"/>
-          </p:cNvPicPr>
-          <p:nvPr/>
-        </p:nvPicPr>
-        <p:blipFill>
-          <a:blip r:embed="rId2">
-            <a:extLst>
-              <a:ext uri="{28A0092B-C50C-407E-A947-70E740481C1C}">
-                <a14:useLocalDpi xmlns:a14="http://schemas.microsoft.com/office/drawing/2010/main" val="0"/>
-              </a:ext>
-            </a:extLst>
-          </a:blip>
-          <a:srcRect/>
-          <a:stretch>
-            <a:fillRect/>
-          </a:stretch>
-        </p:blipFill>
-        <p:spPr bwMode="auto">
-          <a:xfrm>
-            <a:off x="-19315" y="0"/>
-            <a:ext cx="4857994" cy="6858000"/>
-          </a:xfrm>
-          <a:prstGeom prst="rect">
-            <a:avLst/>
-          </a:prstGeom>
-          <a:ln>
-            <a:noFill/>
-          </a:ln>
-          <a:effectLst>
-            <a:outerShdw blurRad="190500" algn="tl" rotWithShape="0">
-              <a:srgbClr val="000000">
-                <a:alpha val="70000"/>
-              </a:srgbClr>
-            </a:outerShdw>
-          </a:effectLst>
-          <a:extLst>
-            <a:ext uri="{909E8E84-426E-40DD-AFC4-6F175D3DCCD1}">
-              <a14:hiddenFill xmlns:a14="http://schemas.microsoft.com/office/drawing/2010/main">
-                <a:solidFill>
-                  <a:srgbClr val="FFFFFF"/>
-                </a:solidFill>
-              </a14:hiddenFill>
-            </a:ext>
-          </a:extLst>
-        </p:spPr>
-      </p:pic>
-      <p:sp>
-        <p:nvSpPr>
-          <p:cNvPr id="3" name="Прямоугольник 2"/>
-          <p:cNvSpPr/>
-          <p:nvPr/>
-        </p:nvSpPr>
-        <p:spPr>
-          <a:xfrm>
-            <a:off x="5760640" y="1268760"/>
-            <a:ext cx="6096000" cy="1569660"/>
-          </a:xfrm>
-          <a:prstGeom prst="rect">
-            <a:avLst/>
-          </a:prstGeom>
-        </p:spPr>
-        <p:txBody>
-          <a:bodyPr>
-            <a:spAutoFit/>
-          </a:bodyPr>
-          <a:lstStyle/>
-          <a:p>
-            <a:r>
-              <a:rPr lang="ru-RU" sz="3600" b="1" dirty="0"/>
-              <a:t>Выразительный </a:t>
-            </a:r>
-            <a:r>
-              <a:rPr lang="ru-RU" sz="3600" b="1" dirty="0" err="1"/>
-              <a:t>JavaScript</a:t>
-            </a:r>
-            <a:r>
-              <a:rPr lang="ru-RU" sz="3600" b="1" dirty="0"/>
-              <a:t>. </a:t>
-            </a:r>
-          </a:p>
-          <a:p>
-            <a:r>
-              <a:rPr lang="ru-RU" i="1" dirty="0"/>
-              <a:t>Современное веб-программирование </a:t>
-            </a:r>
-          </a:p>
-          <a:p>
-            <a:endParaRPr lang="ru-RU" dirty="0"/>
-          </a:p>
-          <a:p>
-            <a:r>
-              <a:rPr lang="ru-RU" sz="2400" b="1" dirty="0" err="1"/>
-              <a:t>Марейн</a:t>
-            </a:r>
-            <a:r>
-              <a:rPr lang="ru-RU" sz="2400" b="1" dirty="0"/>
-              <a:t> </a:t>
-            </a:r>
-            <a:r>
-              <a:rPr lang="ru-RU" sz="2400" b="1" dirty="0" err="1"/>
-              <a:t>Хавербеке</a:t>
-            </a:r>
-            <a:endParaRPr lang="ru-RU" sz="2400" b="1" dirty="0"/>
-          </a:p>
-        </p:txBody>
-      </p:sp>
-      <p:sp>
-        <p:nvSpPr>
-          <p:cNvPr id="4" name="TextBox 3"/>
-          <p:cNvSpPr txBox="1"/>
-          <p:nvPr/>
-        </p:nvSpPr>
-        <p:spPr>
-          <a:xfrm>
-            <a:off x="5735960" y="3429000"/>
-            <a:ext cx="3665662" cy="1569660"/>
-          </a:xfrm>
-          <a:prstGeom prst="rect">
-            <a:avLst/>
-          </a:prstGeom>
-          <a:noFill/>
-        </p:spPr>
-        <p:txBody>
-          <a:bodyPr wrap="square" rtlCol="0">
-            <a:spAutoFit/>
-          </a:bodyPr>
-          <a:lstStyle/>
-          <a:p>
-            <a:r>
-              <a:rPr lang="ru-RU" sz="2400" i="1" dirty="0"/>
-              <a:t>Замечательная книга, как для введения в программирование, так и освоения </a:t>
-            </a:r>
-            <a:r>
-              <a:rPr lang="en-US" sz="2400" i="1" dirty="0"/>
-              <a:t>JavaScript.</a:t>
-            </a:r>
-            <a:endParaRPr lang="ru-RU" sz="2400" i="1" dirty="0"/>
+              <a:t>Тренируемся!</a:t>
+            </a:r>
           </a:p>
         </p:txBody>
       </p:sp>
     </p:spTree>
     <p:extLst>
       <p:ext uri="{BB962C8B-B14F-4D97-AF65-F5344CB8AC3E}">
-        <p14:creationId xmlns:p14="http://schemas.microsoft.com/office/powerpoint/2010/main" val="2364477202"/>
+        <p14:creationId xmlns:p14="http://schemas.microsoft.com/office/powerpoint/2010/main" val="1815961251"/>
       </p:ext>
     </p:extLst>
   </p:cSld>
@@ -7800,7 +7785,7 @@
         </p:nvSpPr>
         <p:spPr>
           <a:xfrm>
-            <a:off x="11208568" y="6093296"/>
+            <a:off x="11280576" y="6165304"/>
             <a:ext cx="648072" cy="432048"/>
           </a:xfrm>
           <a:prstGeom prst="roundRect">
@@ -7862,19 +7847,13 @@
       </p:sp>
       <p:sp>
         <p:nvSpPr>
-          <p:cNvPr id="5" name="TextBox 4">
-            <a:extLst>
-              <a:ext uri="{FF2B5EF4-FFF2-40B4-BE49-F238E27FC236}">
-                <a16:creationId xmlns:a16="http://schemas.microsoft.com/office/drawing/2014/main" id="{4E3EDE1B-0BF4-12C0-F1C9-C467E43B1747}"/>
-              </a:ext>
-            </a:extLst>
-          </p:cNvPr>
+          <p:cNvPr id="6" name="TextBox 5"/>
           <p:cNvSpPr txBox="1"/>
           <p:nvPr/>
         </p:nvSpPr>
         <p:spPr>
           <a:xfrm>
-            <a:off x="0" y="5949280"/>
+            <a:off x="0" y="332656"/>
             <a:ext cx="12192000" cy="523220"/>
           </a:xfrm>
           <a:prstGeom prst="rect">
@@ -7883,17 +7862,15 @@
           <a:noFill/>
         </p:spPr>
         <p:txBody>
-          <a:bodyPr wrap="square">
+          <a:bodyPr wrap="square" rtlCol="0">
             <a:spAutoFit/>
           </a:bodyPr>
           <a:lstStyle/>
           <a:p>
             <a:pPr algn="ctr"/>
             <a:r>
-              <a:rPr lang="uk-UA" sz="2800" b="1" dirty="0">
-                <a:hlinkClick r:id="rId2"/>
-              </a:rPr>
-              <a:t>https://uk.javascript.info/</a:t>
+              <a:rPr lang="ru-RU" sz="2800" b="1" dirty="0"/>
+              <a:t>Программирование ремесло и требует тренировки…</a:t>
             </a:r>
             <a:endParaRPr lang="uk-UA" sz="2800" b="1" dirty="0"/>
           </a:p>
@@ -7901,108 +7878,179 @@
       </p:sp>
       <p:pic>
         <p:nvPicPr>
-          <p:cNvPr id="8" name="Рисунок 7">
+          <p:cNvPr id="1028" name="Picture 4" descr="Результат пошуку зображень за запитом programming&quot;"/>
+          <p:cNvPicPr>
+            <a:picLocks noChangeAspect="1" noChangeArrowheads="1"/>
+          </p:cNvPicPr>
+          <p:nvPr/>
+        </p:nvPicPr>
+        <p:blipFill>
+          <a:blip r:embed="rId2">
             <a:extLst>
-              <a:ext uri="{FF2B5EF4-FFF2-40B4-BE49-F238E27FC236}">
-                <a16:creationId xmlns:a16="http://schemas.microsoft.com/office/drawing/2014/main" id="{2A4512AD-DBCA-6927-E509-C2491D7FB422}"/>
+              <a:ext uri="{28A0092B-C50C-407E-A947-70E740481C1C}">
+                <a14:useLocalDpi xmlns:a14="http://schemas.microsoft.com/office/drawing/2010/main" val="0"/>
               </a:ext>
             </a:extLst>
-          </p:cNvPr>
+          </a:blip>
+          <a:srcRect/>
+          <a:stretch>
+            <a:fillRect/>
+          </a:stretch>
+        </p:blipFill>
+        <p:spPr bwMode="auto">
+          <a:xfrm>
+            <a:off x="7715149" y="1593304"/>
+            <a:ext cx="4017684" cy="3325750"/>
+          </a:xfrm>
+          <a:prstGeom prst="rect">
+            <a:avLst/>
+          </a:prstGeom>
+          <a:ln>
+            <a:noFill/>
+          </a:ln>
+          <a:effectLst>
+            <a:outerShdw blurRad="292100" dist="139700" dir="2700000" algn="tl" rotWithShape="0">
+              <a:srgbClr val="333333">
+                <a:alpha val="65000"/>
+              </a:srgbClr>
+            </a:outerShdw>
+          </a:effectLst>
+          <a:extLst>
+            <a:ext uri="{909E8E84-426E-40DD-AFC4-6F175D3DCCD1}">
+              <a14:hiddenFill xmlns:a14="http://schemas.microsoft.com/office/drawing/2010/main">
+                <a:solidFill>
+                  <a:srgbClr val="FFFFFF"/>
+                </a:solidFill>
+              </a14:hiddenFill>
+            </a:ext>
+          </a:extLst>
+        </p:spPr>
+      </p:pic>
+      <p:pic>
+        <p:nvPicPr>
+          <p:cNvPr id="4" name="Рисунок 3"/>
           <p:cNvPicPr>
             <a:picLocks noChangeAspect="1"/>
           </p:cNvPicPr>
           <p:nvPr/>
         </p:nvPicPr>
-        <p:blipFill>
+        <p:blipFill rotWithShape="1">
           <a:blip r:embed="rId3"/>
-          <a:stretch>
-            <a:fillRect/>
-          </a:stretch>
+          <a:srcRect l="6097" r="2453"/>
+          <a:stretch/>
         </p:blipFill>
         <p:spPr>
           <a:xfrm>
-            <a:off x="3827748" y="675751"/>
-            <a:ext cx="4536504" cy="1280151"/>
+            <a:off x="7032104" y="5659823"/>
+            <a:ext cx="1366091" cy="975793"/>
           </a:xfrm>
           <a:prstGeom prst="rect">
             <a:avLst/>
           </a:prstGeom>
         </p:spPr>
       </p:pic>
-      <p:pic>
-        <p:nvPicPr>
-          <p:cNvPr id="10" name="Рисунок 9">
-            <a:extLst>
-              <a:ext uri="{FF2B5EF4-FFF2-40B4-BE49-F238E27FC236}">
-                <a16:creationId xmlns:a16="http://schemas.microsoft.com/office/drawing/2014/main" id="{0AE5B1A7-CD8E-7126-41DD-9349E4A198D1}"/>
-              </a:ext>
-            </a:extLst>
-          </p:cNvPr>
-          <p:cNvPicPr>
-            <a:picLocks noChangeAspect="1"/>
-          </p:cNvPicPr>
+      <p:sp>
+        <p:nvSpPr>
+          <p:cNvPr id="9" name="Прямоугольник 8"/>
+          <p:cNvSpPr/>
           <p:nvPr/>
-        </p:nvPicPr>
-        <p:blipFill>
-          <a:blip r:embed="rId4"/>
-          <a:stretch>
-            <a:fillRect/>
-          </a:stretch>
-        </p:blipFill>
-        <p:spPr>
-          <a:xfrm>
-            <a:off x="3935760" y="1955902"/>
-            <a:ext cx="4371084" cy="3736794"/>
+        </p:nvSpPr>
+        <p:spPr>
+          <a:xfrm>
+            <a:off x="695400" y="1026016"/>
+            <a:ext cx="6663164" cy="5355312"/>
           </a:xfrm>
           <a:prstGeom prst="rect">
             <a:avLst/>
           </a:prstGeom>
         </p:spPr>
-      </p:pic>
-      <p:sp>
-        <p:nvSpPr>
-          <p:cNvPr id="11" name="Прямоугольник 2">
-            <a:extLst>
-              <a:ext uri="{FF2B5EF4-FFF2-40B4-BE49-F238E27FC236}">
-                <a16:creationId xmlns:a16="http://schemas.microsoft.com/office/drawing/2014/main" id="{B7953043-2886-45A7-0307-FACB0C1A71AD}"/>
-              </a:ext>
-            </a:extLst>
-          </p:cNvPr>
-          <p:cNvSpPr/>
-          <p:nvPr/>
-        </p:nvSpPr>
-        <p:spPr>
-          <a:xfrm>
-            <a:off x="0" y="334397"/>
-            <a:ext cx="12192000" cy="646331"/>
-          </a:xfrm>
-          <a:prstGeom prst="rect">
-            <a:avLst/>
-          </a:prstGeom>
-        </p:spPr>
         <p:txBody>
           <a:bodyPr wrap="square">
             <a:spAutoFit/>
           </a:bodyPr>
           <a:lstStyle/>
           <a:p>
-            <a:pPr algn="ctr"/>
-            <a:r>
-              <a:rPr lang="ru-RU" sz="3600" b="1" dirty="0"/>
-              <a:t>«Учебник» по </a:t>
-            </a:r>
-            <a:r>
-              <a:rPr lang="en-US" sz="3600" b="1" dirty="0"/>
-              <a:t>JavaScript</a:t>
-            </a:r>
-            <a:endParaRPr lang="ru-RU" sz="2400" b="1" dirty="0"/>
+            <a:r>
+              <a:rPr lang="ru-RU" i="1" dirty="0"/>
+              <a:t>1) Задаётся сторона квадрата. Найти его периметр;</a:t>
+            </a:r>
+          </a:p>
+          <a:p>
+            <a:endParaRPr lang="ru-RU" i="1" dirty="0"/>
+          </a:p>
+          <a:p>
+            <a:r>
+              <a:rPr lang="ru-RU" i="1" dirty="0"/>
+              <a:t>2) Задаётся длина ребра куба. Найти объем куба и площадь его боковой поверхности;</a:t>
+            </a:r>
+          </a:p>
+          <a:p>
+            <a:endParaRPr lang="ru-RU" i="1" dirty="0"/>
+          </a:p>
+          <a:p>
+            <a:r>
+              <a:rPr lang="ru-RU" i="1" dirty="0"/>
+              <a:t>3) Задаётся радиус окружности. Найти длину окружности и площадь круга;</a:t>
+            </a:r>
+          </a:p>
+          <a:p>
+            <a:endParaRPr lang="ru-RU" i="1" dirty="0"/>
+          </a:p>
+          <a:p>
+            <a:r>
+              <a:rPr lang="ru-RU" i="1" dirty="0"/>
+              <a:t>4) Задаются объем и масса вещества. Определить плотность материала этого вещества;</a:t>
+            </a:r>
+          </a:p>
+          <a:p>
+            <a:endParaRPr lang="ru-RU" i="1" dirty="0"/>
+          </a:p>
+          <a:p>
+            <a:r>
+              <a:rPr lang="ru-RU" i="1" dirty="0"/>
+              <a:t>5) Известны количество жителей в государстве и площадь его территории (в км2). Определить плотность населения в этом государстве.</a:t>
+            </a:r>
+          </a:p>
+          <a:p>
+            <a:endParaRPr lang="ru-RU" i="1" dirty="0"/>
+          </a:p>
+          <a:p>
+            <a:r>
+              <a:rPr lang="ru-RU" i="1" dirty="0"/>
+              <a:t>6). Даны катеты прямоугольного треугольника. Найти его гипотенузу.</a:t>
+            </a:r>
+          </a:p>
+          <a:p>
+            <a:endParaRPr lang="ru-RU" i="1" dirty="0"/>
+          </a:p>
+          <a:p>
+            <a:r>
+              <a:rPr lang="ru-RU" i="1" dirty="0"/>
+              <a:t>7) Рассчитать значение </a:t>
+            </a:r>
+            <a:r>
+              <a:rPr lang="en-US" b="1" i="1" dirty="0"/>
+              <a:t>y</a:t>
+            </a:r>
+            <a:r>
+              <a:rPr lang="ru-RU" i="1" dirty="0"/>
+              <a:t>, при любых введённых значениях </a:t>
+            </a:r>
+            <a:r>
+              <a:rPr lang="ru-RU" b="1" i="1" dirty="0"/>
+              <a:t>а</a:t>
+            </a:r>
+            <a:r>
+              <a:rPr lang="ru-RU" i="1" dirty="0"/>
+              <a:t>: </a:t>
+            </a:r>
           </a:p>
         </p:txBody>
       </p:sp>
     </p:spTree>
     <p:extLst>
       <p:ext uri="{BB962C8B-B14F-4D97-AF65-F5344CB8AC3E}">
-        <p14:creationId xmlns:p14="http://schemas.microsoft.com/office/powerpoint/2010/main" val="3918066561"/>
+        <p14:creationId xmlns:p14="http://schemas.microsoft.com/office/powerpoint/2010/main" val="532668222"/>
       </p:ext>
     </p:extLst>
   </p:cSld>
@@ -8071,27 +8119,17 @@
           <a:p>
             <a:pPr algn="ctr"/>
             <a:r>
-              <a:rPr lang="ru-RU" sz="6000" b="1" dirty="0"/>
-              <a:t>Домашнее задание</a:t>
-            </a:r>
-          </a:p>
-          <a:p>
-            <a:pPr algn="ctr"/>
-            <a:r>
-              <a:rPr lang="ru-RU" sz="6000" b="1" dirty="0">
-                <a:solidFill>
-                  <a:srgbClr val="92D050"/>
-                </a:solidFill>
-              </a:rPr>
-              <a:t>Тренируемся!</a:t>
-            </a:r>
+              <a:rPr lang="ru-RU" sz="6600" b="1" dirty="0"/>
+              <a:t>На следующем занятии</a:t>
+            </a:r>
+            <a:endParaRPr lang="uk-UA" sz="6600" b="1" dirty="0"/>
           </a:p>
         </p:txBody>
       </p:sp>
     </p:spTree>
     <p:extLst>
       <p:ext uri="{BB962C8B-B14F-4D97-AF65-F5344CB8AC3E}">
-        <p14:creationId xmlns:p14="http://schemas.microsoft.com/office/powerpoint/2010/main" val="1815961251"/>
+        <p14:creationId xmlns:p14="http://schemas.microsoft.com/office/powerpoint/2010/main" val="2717058134"/>
       </p:ext>
     </p:extLst>
   </p:cSld>
@@ -8593,387 +8631,6 @@
 </file>
 
 <file path=ppt/slides/slide30.xml><?xml version="1.0" encoding="utf-8"?>
-<p:sld xmlns:a="http://schemas.openxmlformats.org/drawingml/2006/main" xmlns:r="http://schemas.openxmlformats.org/officeDocument/2006/relationships" xmlns:p="http://schemas.openxmlformats.org/presentationml/2006/main">
-  <p:cSld>
-    <p:spTree>
-      <p:nvGrpSpPr>
-        <p:cNvPr id="1" name=""/>
-        <p:cNvGrpSpPr/>
-        <p:nvPr/>
-      </p:nvGrpSpPr>
-      <p:grpSpPr>
-        <a:xfrm>
-          <a:off x="0" y="0"/>
-          <a:ext cx="0" cy="0"/>
-          <a:chOff x="0" y="0"/>
-          <a:chExt cx="0" cy="0"/>
-        </a:xfrm>
-      </p:grpSpPr>
-      <p:sp>
-        <p:nvSpPr>
-          <p:cNvPr id="7" name="Номер слайда 36"/>
-          <p:cNvSpPr txBox="1">
-            <a:spLocks/>
-          </p:cNvSpPr>
-          <p:nvPr/>
-        </p:nvSpPr>
-        <p:spPr>
-          <a:xfrm>
-            <a:off x="11280576" y="6165304"/>
-            <a:ext cx="648072" cy="432048"/>
-          </a:xfrm>
-          <a:prstGeom prst="roundRect">
-            <a:avLst/>
-          </a:prstGeom>
-          <a:ln w="25400" cap="flat" cmpd="sng" algn="ctr">
-            <a:solidFill>
-              <a:schemeClr val="tx2">
-                <a:lumMod val="60000"/>
-                <a:lumOff val="40000"/>
-              </a:schemeClr>
-            </a:solidFill>
-            <a:prstDash val="solid"/>
-          </a:ln>
-        </p:spPr>
-        <p:style>
-          <a:lnRef idx="2">
-            <a:schemeClr val="accent1"/>
-          </a:lnRef>
-          <a:fillRef idx="1">
-            <a:schemeClr val="lt1"/>
-          </a:fillRef>
-          <a:effectRef idx="0">
-            <a:schemeClr val="accent1"/>
-          </a:effectRef>
-          <a:fontRef idx="minor">
-            <a:schemeClr val="dk1"/>
-          </a:fontRef>
-        </p:style>
-        <p:txBody>
-          <a:bodyPr vert="horz" lIns="91440" tIns="45720" rIns="91440" bIns="45720" rtlCol="0" anchor="ctr"/>
-          <a:lstStyle/>
-          <a:p>
-            <a:pPr algn="ctr">
-              <a:defRPr/>
-            </a:pPr>
-            <a:fld id="{6389AA22-90B4-448C-8B6B-C699140D38B9}" type="slidenum">
-              <a:rPr lang="uk-UA" sz="2400" b="1">
-                <a:solidFill>
-                  <a:schemeClr val="bg1">
-                    <a:lumMod val="50000"/>
-                  </a:schemeClr>
-                </a:solidFill>
-              </a:rPr>
-              <a:pPr algn="ctr">
-                <a:defRPr/>
-              </a:pPr>
-              <a:t>30</a:t>
-            </a:fld>
-            <a:endParaRPr lang="uk-UA" sz="2400" b="1" dirty="0">
-              <a:solidFill>
-                <a:schemeClr val="bg1">
-                  <a:lumMod val="50000"/>
-                </a:schemeClr>
-              </a:solidFill>
-            </a:endParaRPr>
-          </a:p>
-        </p:txBody>
-      </p:sp>
-      <p:sp>
-        <p:nvSpPr>
-          <p:cNvPr id="6" name="TextBox 5"/>
-          <p:cNvSpPr txBox="1"/>
-          <p:nvPr/>
-        </p:nvSpPr>
-        <p:spPr>
-          <a:xfrm>
-            <a:off x="0" y="332656"/>
-            <a:ext cx="12192000" cy="523220"/>
-          </a:xfrm>
-          <a:prstGeom prst="rect">
-            <a:avLst/>
-          </a:prstGeom>
-          <a:noFill/>
-        </p:spPr>
-        <p:txBody>
-          <a:bodyPr wrap="square" rtlCol="0">
-            <a:spAutoFit/>
-          </a:bodyPr>
-          <a:lstStyle/>
-          <a:p>
-            <a:pPr algn="ctr"/>
-            <a:r>
-              <a:rPr lang="ru-RU" sz="2800" b="1" dirty="0"/>
-              <a:t>Программирование ремесло и требует тренировки…</a:t>
-            </a:r>
-            <a:endParaRPr lang="uk-UA" sz="2800" b="1" dirty="0"/>
-          </a:p>
-        </p:txBody>
-      </p:sp>
-      <p:pic>
-        <p:nvPicPr>
-          <p:cNvPr id="1028" name="Picture 4" descr="Результат пошуку зображень за запитом programming&quot;"/>
-          <p:cNvPicPr>
-            <a:picLocks noChangeAspect="1" noChangeArrowheads="1"/>
-          </p:cNvPicPr>
-          <p:nvPr/>
-        </p:nvPicPr>
-        <p:blipFill>
-          <a:blip r:embed="rId2">
-            <a:extLst>
-              <a:ext uri="{28A0092B-C50C-407E-A947-70E740481C1C}">
-                <a14:useLocalDpi xmlns:a14="http://schemas.microsoft.com/office/drawing/2010/main" val="0"/>
-              </a:ext>
-            </a:extLst>
-          </a:blip>
-          <a:srcRect/>
-          <a:stretch>
-            <a:fillRect/>
-          </a:stretch>
-        </p:blipFill>
-        <p:spPr bwMode="auto">
-          <a:xfrm>
-            <a:off x="7715149" y="1593304"/>
-            <a:ext cx="4017684" cy="3325750"/>
-          </a:xfrm>
-          <a:prstGeom prst="rect">
-            <a:avLst/>
-          </a:prstGeom>
-          <a:ln>
-            <a:noFill/>
-          </a:ln>
-          <a:effectLst>
-            <a:outerShdw blurRad="292100" dist="139700" dir="2700000" algn="tl" rotWithShape="0">
-              <a:srgbClr val="333333">
-                <a:alpha val="65000"/>
-              </a:srgbClr>
-            </a:outerShdw>
-          </a:effectLst>
-          <a:extLst>
-            <a:ext uri="{909E8E84-426E-40DD-AFC4-6F175D3DCCD1}">
-              <a14:hiddenFill xmlns:a14="http://schemas.microsoft.com/office/drawing/2010/main">
-                <a:solidFill>
-                  <a:srgbClr val="FFFFFF"/>
-                </a:solidFill>
-              </a14:hiddenFill>
-            </a:ext>
-          </a:extLst>
-        </p:spPr>
-      </p:pic>
-      <p:pic>
-        <p:nvPicPr>
-          <p:cNvPr id="4" name="Рисунок 3"/>
-          <p:cNvPicPr>
-            <a:picLocks noChangeAspect="1"/>
-          </p:cNvPicPr>
-          <p:nvPr/>
-        </p:nvPicPr>
-        <p:blipFill rotWithShape="1">
-          <a:blip r:embed="rId3"/>
-          <a:srcRect l="6097" r="2453"/>
-          <a:stretch/>
-        </p:blipFill>
-        <p:spPr>
-          <a:xfrm>
-            <a:off x="7032104" y="5659823"/>
-            <a:ext cx="1366091" cy="975793"/>
-          </a:xfrm>
-          <a:prstGeom prst="rect">
-            <a:avLst/>
-          </a:prstGeom>
-        </p:spPr>
-      </p:pic>
-      <p:sp>
-        <p:nvSpPr>
-          <p:cNvPr id="9" name="Прямоугольник 8"/>
-          <p:cNvSpPr/>
-          <p:nvPr/>
-        </p:nvSpPr>
-        <p:spPr>
-          <a:xfrm>
-            <a:off x="695400" y="1026016"/>
-            <a:ext cx="6663164" cy="5355312"/>
-          </a:xfrm>
-          <a:prstGeom prst="rect">
-            <a:avLst/>
-          </a:prstGeom>
-        </p:spPr>
-        <p:txBody>
-          <a:bodyPr wrap="square">
-            <a:spAutoFit/>
-          </a:bodyPr>
-          <a:lstStyle/>
-          <a:p>
-            <a:r>
-              <a:rPr lang="ru-RU" i="1" dirty="0"/>
-              <a:t>1) Задаётся сторона квадрата. Найти его периметр;</a:t>
-            </a:r>
-          </a:p>
-          <a:p>
-            <a:endParaRPr lang="ru-RU" i="1" dirty="0"/>
-          </a:p>
-          <a:p>
-            <a:r>
-              <a:rPr lang="ru-RU" i="1" dirty="0"/>
-              <a:t>2) Задаётся длина ребра куба. Найти объем куба и площадь его боковой поверхности;</a:t>
-            </a:r>
-          </a:p>
-          <a:p>
-            <a:endParaRPr lang="ru-RU" i="1" dirty="0"/>
-          </a:p>
-          <a:p>
-            <a:r>
-              <a:rPr lang="ru-RU" i="1" dirty="0"/>
-              <a:t>3) Задаётся радиус окружности. Найти длину окружности и площадь круга;</a:t>
-            </a:r>
-          </a:p>
-          <a:p>
-            <a:endParaRPr lang="ru-RU" i="1" dirty="0"/>
-          </a:p>
-          <a:p>
-            <a:r>
-              <a:rPr lang="ru-RU" i="1" dirty="0"/>
-              <a:t>4) Задаются объем и масса вещества. Определить плотность материала этого вещества;</a:t>
-            </a:r>
-          </a:p>
-          <a:p>
-            <a:endParaRPr lang="ru-RU" i="1" dirty="0"/>
-          </a:p>
-          <a:p>
-            <a:r>
-              <a:rPr lang="ru-RU" i="1" dirty="0"/>
-              <a:t>5) Известны количество жителей в государстве и площадь его территории (в км2). Определить плотность населения в этом государстве.</a:t>
-            </a:r>
-          </a:p>
-          <a:p>
-            <a:endParaRPr lang="ru-RU" i="1" dirty="0"/>
-          </a:p>
-          <a:p>
-            <a:r>
-              <a:rPr lang="ru-RU" i="1" dirty="0"/>
-              <a:t>6). Даны катеты прямоугольного треугольника. Найти его гипотенузу.</a:t>
-            </a:r>
-          </a:p>
-          <a:p>
-            <a:endParaRPr lang="ru-RU" i="1" dirty="0"/>
-          </a:p>
-          <a:p>
-            <a:r>
-              <a:rPr lang="ru-RU" i="1" dirty="0"/>
-              <a:t>7) Рассчитать значение </a:t>
-            </a:r>
-            <a:r>
-              <a:rPr lang="en-US" b="1" i="1" dirty="0"/>
-              <a:t>y</a:t>
-            </a:r>
-            <a:r>
-              <a:rPr lang="ru-RU" i="1" dirty="0"/>
-              <a:t>, при любых введённых значениях </a:t>
-            </a:r>
-            <a:r>
-              <a:rPr lang="ru-RU" b="1" i="1" dirty="0"/>
-              <a:t>а</a:t>
-            </a:r>
-            <a:r>
-              <a:rPr lang="ru-RU" i="1" dirty="0"/>
-              <a:t>: </a:t>
-            </a:r>
-          </a:p>
-        </p:txBody>
-      </p:sp>
-    </p:spTree>
-    <p:extLst>
-      <p:ext uri="{BB962C8B-B14F-4D97-AF65-F5344CB8AC3E}">
-        <p14:creationId xmlns:p14="http://schemas.microsoft.com/office/powerpoint/2010/main" val="532668222"/>
-      </p:ext>
-    </p:extLst>
-  </p:cSld>
-  <p:clrMapOvr>
-    <a:masterClrMapping/>
-  </p:clrMapOvr>
-</p:sld>
-</file>
-
-<file path=ppt/slides/slide31.xml><?xml version="1.0" encoding="utf-8"?>
-<p:sld xmlns:a="http://schemas.openxmlformats.org/drawingml/2006/main" xmlns:r="http://schemas.openxmlformats.org/officeDocument/2006/relationships" xmlns:p="http://schemas.openxmlformats.org/presentationml/2006/main">
-  <p:cSld>
-    <p:spTree>
-      <p:nvGrpSpPr>
-        <p:cNvPr id="1" name=""/>
-        <p:cNvGrpSpPr/>
-        <p:nvPr/>
-      </p:nvGrpSpPr>
-      <p:grpSpPr>
-        <a:xfrm>
-          <a:off x="0" y="0"/>
-          <a:ext cx="0" cy="0"/>
-          <a:chOff x="0" y="0"/>
-          <a:chExt cx="0" cy="0"/>
-        </a:xfrm>
-      </p:grpSpPr>
-      <p:sp>
-        <p:nvSpPr>
-          <p:cNvPr id="5" name="Прямоугольник 4"/>
-          <p:cNvSpPr/>
-          <p:nvPr/>
-        </p:nvSpPr>
-        <p:spPr>
-          <a:xfrm>
-            <a:off x="0" y="0"/>
-            <a:ext cx="12192000" cy="6858000"/>
-          </a:xfrm>
-          <a:prstGeom prst="rect">
-            <a:avLst/>
-          </a:prstGeom>
-          <a:solidFill>
-            <a:schemeClr val="tx2">
-              <a:lumMod val="75000"/>
-            </a:schemeClr>
-          </a:solidFill>
-        </p:spPr>
-        <p:style>
-          <a:lnRef idx="2">
-            <a:schemeClr val="accent1">
-              <a:shade val="50000"/>
-            </a:schemeClr>
-          </a:lnRef>
-          <a:fillRef idx="1">
-            <a:schemeClr val="accent1"/>
-          </a:fillRef>
-          <a:effectRef idx="0">
-            <a:schemeClr val="accent1"/>
-          </a:effectRef>
-          <a:fontRef idx="minor">
-            <a:schemeClr val="lt1"/>
-          </a:fontRef>
-        </p:style>
-        <p:txBody>
-          <a:bodyPr rtlCol="0" anchor="ctr"/>
-          <a:lstStyle/>
-          <a:p>
-            <a:pPr algn="ctr"/>
-            <a:r>
-              <a:rPr lang="ru-RU" sz="6600" b="1" dirty="0"/>
-              <a:t>На следующем занятии</a:t>
-            </a:r>
-            <a:endParaRPr lang="uk-UA" sz="6600" b="1" dirty="0"/>
-          </a:p>
-        </p:txBody>
-      </p:sp>
-    </p:spTree>
-    <p:extLst>
-      <p:ext uri="{BB962C8B-B14F-4D97-AF65-F5344CB8AC3E}">
-        <p14:creationId xmlns:p14="http://schemas.microsoft.com/office/powerpoint/2010/main" val="2717058134"/>
-      </p:ext>
-    </p:extLst>
-  </p:cSld>
-  <p:clrMapOvr>
-    <a:masterClrMapping/>
-  </p:clrMapOvr>
-</p:sld>
-</file>
-
-<file path=ppt/slides/slide32.xml><?xml version="1.0" encoding="utf-8"?>
 <p:sld xmlns:a="http://schemas.openxmlformats.org/drawingml/2006/main" xmlns:r="http://schemas.openxmlformats.org/officeDocument/2006/relationships" xmlns:p="http://schemas.openxmlformats.org/presentationml/2006/main">
   <p:cSld>
     <p:spTree>
